--- a/New PPTX Presentation.pptx
+++ b/New PPTX Presentation.pptx
@@ -7,9 +7,10 @@
   <p:sldIdLst>
     <p:sldId id="256" r:id="rId3"/>
     <p:sldId id="257" r:id="rId4"/>
-    <p:sldId id="258" r:id="rId5"/>
-    <p:sldId id="260" r:id="rId6"/>
-    <p:sldId id="261" r:id="rId7"/>
+    <p:sldId id="262" r:id="rId5"/>
+    <p:sldId id="258" r:id="rId6"/>
+    <p:sldId id="260" r:id="rId7"/>
+    <p:sldId id="261" r:id="rId8"/>
   </p:sldIdLst>
   <p:sldSz cx="12192000" cy="6858000"/>
   <p:notesSz cx="6858000" cy="9144000"/>
@@ -3419,14 +3420,7 @@
         <p:cNvGrpSpPr/>
         <p:nvPr/>
       </p:nvGrpSpPr>
-      <p:grpSpPr>
-        <a:xfrm>
-          <a:off x="0" y="0"/>
-          <a:ext cx="0" cy="0"/>
-          <a:chOff x="0" y="0"/>
-          <a:chExt cx="0" cy="0"/>
-        </a:xfrm>
-      </p:grpSpPr>
+      <p:grpSpPr/>
       <p:sp>
         <p:nvSpPr>
           <p:cNvPr id="2" name="Title 1"/>
@@ -3439,167 +3433,38 @@
         </p:nvSpPr>
         <p:spPr/>
         <p:txBody>
-          <a:bodyPr>
-            <a:normAutofit fontScale="90000"/>
-          </a:bodyPr>
-          <a:lstStyle/>
-          <a:p>
-            <a:r>
-              <a:rPr lang="it-IT" dirty="0"/>
-              <a:t>python manage.py sqlmigrate regional_info </a:t>
-            </a:r>
-            <a:r>
-              <a:rPr lang="it-IT" dirty="0" smtClean="0"/>
-              <a:t>0001  ORM-&gt; create tables based on class model</a:t>
-            </a:r>
-            <a:endParaRPr lang="en-US" dirty="0"/>
-          </a:p>
-        </p:txBody>
-      </p:sp>
-      <p:sp>
-        <p:nvSpPr>
-          <p:cNvPr id="3" name="Content Placeholder 2"/>
-          <p:cNvSpPr>
-            <a:spLocks noGrp="1"/>
-          </p:cNvSpPr>
+          <a:bodyPr/>
+          <a:p>
+            <a:endParaRPr lang="en-US"/>
+          </a:p>
+        </p:txBody>
+      </p:sp>
+      <p:pic>
+        <p:nvPicPr>
+          <p:cNvPr id="4" name="Content Placeholder 3"/>
+          <p:cNvPicPr>
+            <a:picLocks noChangeAspect="1"/>
+          </p:cNvPicPr>
           <p:nvPr>
             <p:ph idx="1"/>
           </p:nvPr>
-        </p:nvSpPr>
-        <p:spPr/>
-        <p:txBody>
-          <a:bodyPr>
-            <a:normAutofit fontScale="92500" lnSpcReduction="20000"/>
-          </a:bodyPr>
-          <a:lstStyle/>
-          <a:p>
-            <a:r>
-              <a:rPr lang="en-US" dirty="0"/>
-              <a:t>BEGIN;</a:t>
-            </a:r>
-            <a:endParaRPr lang="en-US" dirty="0"/>
-          </a:p>
-          <a:p>
-            <a:r>
-              <a:rPr lang="en-US" dirty="0"/>
-              <a:t>--</a:t>
-            </a:r>
-            <a:endParaRPr lang="en-US" dirty="0"/>
-          </a:p>
-          <a:p>
-            <a:r>
-              <a:rPr lang="en-US" dirty="0"/>
-              <a:t>-- Create model </a:t>
-            </a:r>
-            <a:r>
-              <a:rPr lang="en-US" dirty="0" err="1"/>
-              <a:t>RegionalInfo</a:t>
-            </a:r>
-            <a:endParaRPr lang="en-US" dirty="0"/>
-          </a:p>
-          <a:p>
-            <a:r>
-              <a:rPr lang="en-US" dirty="0"/>
-              <a:t>--</a:t>
-            </a:r>
-            <a:endParaRPr lang="en-US" dirty="0"/>
-          </a:p>
-          <a:p>
-            <a:r>
-              <a:rPr lang="en-US" dirty="0"/>
-              <a:t>CREATE TABLE "</a:t>
-            </a:r>
-            <a:r>
-              <a:rPr lang="en-US" dirty="0" err="1"/>
-              <a:t>regional_info_regionalinfo</a:t>
-            </a:r>
-            <a:r>
-              <a:rPr lang="en-US" dirty="0"/>
-              <a:t>" ("id" integer NOT NULL PRIMARY KEY AUTOINCREMENT, "</a:t>
-            </a:r>
-            <a:r>
-              <a:rPr lang="en-US" dirty="0" err="1"/>
-              <a:t>region_number</a:t>
-            </a:r>
-            <a:r>
-              <a:rPr lang="en-US" dirty="0"/>
-              <a:t>" </a:t>
-            </a:r>
-            <a:r>
-              <a:rPr lang="en-US" dirty="0" err="1"/>
-              <a:t>smallint</a:t>
-            </a:r>
-            <a:r>
-              <a:rPr lang="en-US" dirty="0"/>
-              <a:t> unsigned NOT NULL CHECK ("</a:t>
-            </a:r>
-            <a:r>
-              <a:rPr lang="en-US" dirty="0" err="1"/>
-              <a:t>region_number</a:t>
-            </a:r>
-            <a:r>
-              <a:rPr lang="en-US" dirty="0"/>
-              <a:t>" &gt;= 0), "name" varchar(64) NOT NULL, "</a:t>
-            </a:r>
-            <a:r>
-              <a:rPr lang="en-US" dirty="0" err="1"/>
-              <a:t>population_size</a:t>
-            </a:r>
-            <a:r>
-              <a:rPr lang="en-US" dirty="0"/>
-              <a:t>" </a:t>
-            </a:r>
-            <a:r>
-              <a:rPr lang="en-US" dirty="0" err="1"/>
-              <a:t>bigint</a:t>
-            </a:r>
-            <a:r>
-              <a:rPr lang="en-US" dirty="0"/>
-              <a:t> unsigned NOT NULL CHECK ("</a:t>
-            </a:r>
-            <a:r>
-              <a:rPr lang="en-US" dirty="0" err="1"/>
-              <a:t>population_size</a:t>
-            </a:r>
-            <a:r>
-              <a:rPr lang="en-US" dirty="0"/>
-              <a:t>" &gt;= 0), "</a:t>
-            </a:r>
-            <a:r>
-              <a:rPr lang="en-US" dirty="0" err="1"/>
-              <a:t>area_in_square</a:t>
-            </a:r>
-            <a:r>
-              <a:rPr lang="en-US" dirty="0"/>
-              <a:t>" real NOT NULL, "</a:t>
-            </a:r>
-            <a:r>
-              <a:rPr lang="en-US" dirty="0" err="1"/>
-              <a:t>capital_city</a:t>
-            </a:r>
-            <a:r>
-              <a:rPr lang="en-US" dirty="0"/>
-              <a:t>" varchar(100) NOT NULL, "flag" varchar(100) NOT NULL, "</a:t>
-            </a:r>
-            <a:r>
-              <a:rPr lang="en-US" dirty="0" err="1"/>
-              <a:t>email_address</a:t>
-            </a:r>
-            <a:r>
-              <a:rPr lang="en-US" dirty="0"/>
-              <a:t>" varchar(254) NOT NULL, "map" varchar(100) NOT NULL, "website" varchar(200) NOT NULL);</a:t>
-            </a:r>
-            <a:endParaRPr lang="en-US" dirty="0"/>
-          </a:p>
-          <a:p>
-            <a:r>
-              <a:rPr lang="en-US" dirty="0"/>
-              <a:t>COMMIT;</a:t>
-            </a:r>
-            <a:endParaRPr lang="en-US" dirty="0"/>
-          </a:p>
-        </p:txBody>
-      </p:sp>
+        </p:nvPicPr>
+        <p:blipFill>
+          <a:blip r:embed="rId1"/>
+          <a:stretch>
+            <a:fillRect/>
+          </a:stretch>
+        </p:blipFill>
+        <p:spPr>
+          <a:xfrm>
+            <a:off x="274955" y="1184910"/>
+            <a:ext cx="11306810" cy="5081270"/>
+          </a:xfrm>
+          <a:prstGeom prst="rect">
+            <a:avLst/>
+          </a:prstGeom>
+        </p:spPr>
+      </p:pic>
     </p:spTree>
   </p:cSld>
   <p:clrMapOvr>
@@ -3637,227 +3502,163 @@
         </p:nvSpPr>
         <p:spPr/>
         <p:txBody>
-          <a:bodyPr/>
-          <a:lstStyle/>
-          <a:p>
-            <a:r>
-              <a:rPr lang="en-US" dirty="0"/>
-              <a:t>python manage.py </a:t>
-            </a:r>
-            <a:r>
-              <a:rPr lang="en-US" dirty="0" err="1"/>
-              <a:t>showmigrations</a:t>
-            </a:r>
-            <a:endParaRPr lang="en-US" dirty="0"/>
-          </a:p>
-        </p:txBody>
-      </p:sp>
-      <p:sp>
-        <p:nvSpPr>
-          <p:cNvPr id="3" name="Content Placeholder 2"/>
-          <p:cNvSpPr>
-            <a:spLocks noGrp="1"/>
-          </p:cNvSpPr>
-          <p:nvPr>
-            <p:ph sz="half" idx="1"/>
-          </p:nvPr>
-        </p:nvSpPr>
-        <p:spPr/>
-        <p:txBody>
           <a:bodyPr>
-            <a:normAutofit fontScale="55000" lnSpcReduction="20000"/>
+            <a:normAutofit fontScale="90000"/>
           </a:bodyPr>
           <a:lstStyle/>
           <a:p>
             <a:r>
-              <a:rPr lang="en-US" dirty="0"/>
-              <a:t>admin</a:t>
+              <a:rPr lang="it-IT" dirty="0"/>
+              <a:t>python manage.py sqlmigrate regional_info </a:t>
+            </a:r>
+            <a:r>
+              <a:rPr lang="it-IT" dirty="0" smtClean="0"/>
+              <a:t>0001  ORM-&gt; create tables based on class model</a:t>
             </a:r>
             <a:endParaRPr lang="en-US" dirty="0"/>
           </a:p>
-          <a:p>
-            <a:r>
-              <a:rPr lang="en-US" dirty="0"/>
-              <a:t> [ ] 0001_initial</a:t>
-            </a:r>
-            <a:endParaRPr lang="en-US" dirty="0"/>
-          </a:p>
-          <a:p>
-            <a:r>
-              <a:rPr lang="en-US" dirty="0"/>
-              <a:t> [ ] 0002_logentry_remove_auto_add</a:t>
-            </a:r>
-            <a:endParaRPr lang="en-US" dirty="0"/>
-          </a:p>
-          <a:p>
-            <a:r>
-              <a:rPr lang="en-US" dirty="0"/>
-              <a:t> [ ] 0003_logentry_add_action_flag_choices</a:t>
-            </a:r>
-            <a:endParaRPr lang="en-US" dirty="0"/>
-          </a:p>
-          <a:p>
-            <a:r>
-              <a:rPr lang="en-US" dirty="0" err="1"/>
-              <a:t>auth</a:t>
-            </a:r>
-            <a:endParaRPr lang="en-US" dirty="0"/>
-          </a:p>
-          <a:p>
-            <a:r>
-              <a:rPr lang="en-US" dirty="0"/>
-              <a:t> [ ] 0001_initial</a:t>
-            </a:r>
-            <a:endParaRPr lang="en-US" dirty="0"/>
-          </a:p>
-          <a:p>
-            <a:r>
-              <a:rPr lang="en-US" dirty="0"/>
-              <a:t> [ ] 0002_alter_permission_name_max_length</a:t>
-            </a:r>
-            <a:endParaRPr lang="en-US" dirty="0"/>
-          </a:p>
-          <a:p>
-            <a:r>
-              <a:rPr lang="en-US" dirty="0"/>
-              <a:t> [ ] 0003_alter_user_email_max_length</a:t>
-            </a:r>
-            <a:endParaRPr lang="en-US" dirty="0"/>
-          </a:p>
-          <a:p>
-            <a:r>
-              <a:rPr lang="en-US" dirty="0"/>
-              <a:t> [ ] 0004_alter_user_username_opts</a:t>
-            </a:r>
-            <a:endParaRPr lang="en-US" dirty="0"/>
-          </a:p>
-          <a:p>
-            <a:r>
-              <a:rPr lang="en-US" dirty="0"/>
-              <a:t> [ ] 0005_alter_user_last_login_null</a:t>
-            </a:r>
-            <a:endParaRPr lang="en-US" dirty="0"/>
-          </a:p>
-          <a:p>
-            <a:r>
-              <a:rPr lang="en-US" dirty="0"/>
-              <a:t> [ ] 0006_require_contenttypes_0002</a:t>
-            </a:r>
-            <a:endParaRPr lang="en-US" dirty="0"/>
-          </a:p>
-          <a:p>
-            <a:r>
-              <a:rPr lang="en-US" dirty="0"/>
-              <a:t> [ ] 0007_alter_validators_add_error_messages</a:t>
-            </a:r>
-            <a:endParaRPr lang="en-US" dirty="0"/>
-          </a:p>
-          <a:p>
-            <a:r>
-              <a:rPr lang="en-US" dirty="0"/>
-              <a:t> [ ] 0008_alter_user_username_max_length</a:t>
-            </a:r>
-            <a:endParaRPr lang="en-US" dirty="0"/>
-          </a:p>
-          <a:p>
-            <a:r>
-              <a:rPr lang="en-US" dirty="0"/>
-              <a:t> [ ] 0009_alter_user_last_name_max_length</a:t>
-            </a:r>
-            <a:endParaRPr lang="en-US" dirty="0"/>
-          </a:p>
-          <a:p>
-            <a:endParaRPr lang="en-US" dirty="0"/>
-          </a:p>
-        </p:txBody>
-      </p:sp>
-      <p:sp>
-        <p:nvSpPr>
-          <p:cNvPr id="4" name="Content Placeholder 3"/>
-          <p:cNvSpPr>
-            <a:spLocks noGrp="1"/>
-          </p:cNvSpPr>
-          <p:nvPr>
-            <p:ph sz="half" idx="2"/>
+        </p:txBody>
+      </p:sp>
+      <p:sp>
+        <p:nvSpPr>
+          <p:cNvPr id="3" name="Content Placeholder 2"/>
+          <p:cNvSpPr>
+            <a:spLocks noGrp="1"/>
+          </p:cNvSpPr>
+          <p:nvPr>
+            <p:ph idx="1"/>
           </p:nvPr>
         </p:nvSpPr>
         <p:spPr/>
         <p:txBody>
           <a:bodyPr>
-            <a:normAutofit fontScale="55000" lnSpcReduction="20000"/>
+            <a:normAutofit fontScale="92500" lnSpcReduction="20000"/>
           </a:bodyPr>
           <a:lstStyle/>
           <a:p>
             <a:r>
               <a:rPr lang="en-US" dirty="0"/>
-              <a:t> [ ] 0010_alter_group_name_max_length</a:t>
+              <a:t>BEGIN;</a:t>
             </a:r>
             <a:endParaRPr lang="en-US" dirty="0"/>
           </a:p>
           <a:p>
             <a:r>
               <a:rPr lang="en-US" dirty="0"/>
-              <a:t> [ ] 0011_update_proxy_permissions</a:t>
+              <a:t>--</a:t>
             </a:r>
             <a:endParaRPr lang="en-US" dirty="0"/>
           </a:p>
           <a:p>
             <a:r>
               <a:rPr lang="en-US" dirty="0"/>
-              <a:t> [ ] 0012_alter_user_first_name_max_length</a:t>
+              <a:t>-- Create model </a:t>
+            </a:r>
+            <a:r>
+              <a:rPr lang="en-US" dirty="0" err="1"/>
+              <a:t>RegionalInfo</a:t>
             </a:r>
             <a:endParaRPr lang="en-US" dirty="0"/>
           </a:p>
           <a:p>
             <a:r>
+              <a:rPr lang="en-US" dirty="0"/>
+              <a:t>--</a:t>
+            </a:r>
+            <a:endParaRPr lang="en-US" dirty="0"/>
+          </a:p>
+          <a:p>
+            <a:r>
+              <a:rPr lang="en-US" dirty="0"/>
+              <a:t>CREATE TABLE "</a:t>
+            </a:r>
+            <a:r>
               <a:rPr lang="en-US" dirty="0" err="1"/>
-              <a:t>contenttypes</a:t>
+              <a:t>regional_info_regionalinfo</a:t>
+            </a:r>
+            <a:r>
+              <a:rPr lang="en-US" dirty="0"/>
+              <a:t>" ("id" integer NOT NULL PRIMARY KEY AUTOINCREMENT, "</a:t>
+            </a:r>
+            <a:r>
+              <a:rPr lang="en-US" dirty="0" err="1"/>
+              <a:t>region_number</a:t>
+            </a:r>
+            <a:r>
+              <a:rPr lang="en-US" dirty="0"/>
+              <a:t>" </a:t>
+            </a:r>
+            <a:r>
+              <a:rPr lang="en-US" dirty="0" err="1"/>
+              <a:t>smallint</a:t>
+            </a:r>
+            <a:r>
+              <a:rPr lang="en-US" dirty="0"/>
+              <a:t> unsigned NOT NULL CHECK ("</a:t>
+            </a:r>
+            <a:r>
+              <a:rPr lang="en-US" dirty="0" err="1"/>
+              <a:t>region_number</a:t>
+            </a:r>
+            <a:r>
+              <a:rPr lang="en-US" dirty="0"/>
+              <a:t>" &gt;= 0), "name" varchar(64) NOT NULL, "</a:t>
+            </a:r>
+            <a:r>
+              <a:rPr lang="en-US" dirty="0" err="1"/>
+              <a:t>population_size</a:t>
+            </a:r>
+            <a:r>
+              <a:rPr lang="en-US" dirty="0"/>
+              <a:t>" </a:t>
+            </a:r>
+            <a:r>
+              <a:rPr lang="en-US" dirty="0" err="1"/>
+              <a:t>bigint</a:t>
+            </a:r>
+            <a:r>
+              <a:rPr lang="en-US" dirty="0"/>
+              <a:t> unsigned NOT NULL CHECK ("</a:t>
+            </a:r>
+            <a:r>
+              <a:rPr lang="en-US" dirty="0" err="1"/>
+              <a:t>population_size</a:t>
+            </a:r>
+            <a:r>
+              <a:rPr lang="en-US" dirty="0"/>
+              <a:t>" &gt;= 0), "</a:t>
+            </a:r>
+            <a:r>
+              <a:rPr lang="en-US" dirty="0" err="1"/>
+              <a:t>area_in_square</a:t>
+            </a:r>
+            <a:r>
+              <a:rPr lang="en-US" dirty="0"/>
+              <a:t>" real NOT NULL, "</a:t>
+            </a:r>
+            <a:r>
+              <a:rPr lang="en-US" dirty="0" err="1"/>
+              <a:t>capital_city</a:t>
+            </a:r>
+            <a:r>
+              <a:rPr lang="en-US" dirty="0"/>
+              <a:t>" varchar(100) NOT NULL, "flag" varchar(100) NOT NULL, "</a:t>
+            </a:r>
+            <a:r>
+              <a:rPr lang="en-US" dirty="0" err="1"/>
+              <a:t>email_address</a:t>
+            </a:r>
+            <a:r>
+              <a:rPr lang="en-US" dirty="0"/>
+              <a:t>" varchar(254) NOT NULL, "map" varchar(100) NOT NULL, "website" varchar(200) NOT NULL);</a:t>
             </a:r>
             <a:endParaRPr lang="en-US" dirty="0"/>
           </a:p>
           <a:p>
             <a:r>
               <a:rPr lang="en-US" dirty="0"/>
-              <a:t> [ ] 0001_initial</a:t>
-            </a:r>
-            <a:endParaRPr lang="en-US" dirty="0"/>
-          </a:p>
-          <a:p>
-            <a:r>
-              <a:rPr lang="en-US" dirty="0"/>
-              <a:t> [ ] 0002_remove_content_type_name</a:t>
-            </a:r>
-            <a:endParaRPr lang="en-US" dirty="0"/>
-          </a:p>
-          <a:p>
-            <a:r>
-              <a:rPr lang="en-US" dirty="0" err="1"/>
-              <a:t>regional_info</a:t>
-            </a:r>
-            <a:endParaRPr lang="en-US" dirty="0"/>
-          </a:p>
-          <a:p>
-            <a:r>
-              <a:rPr lang="en-US" dirty="0"/>
-              <a:t> [ ] 0001_initial</a:t>
-            </a:r>
-            <a:endParaRPr lang="en-US" dirty="0"/>
-          </a:p>
-          <a:p>
-            <a:r>
-              <a:rPr lang="en-US" dirty="0"/>
-              <a:t>sessions</a:t>
-            </a:r>
-            <a:endParaRPr lang="en-US" dirty="0"/>
-          </a:p>
-          <a:p>
-            <a:r>
-              <a:rPr lang="en-US" dirty="0"/>
-              <a:t> [ ] 0001_initial</a:t>
-            </a:r>
-            <a:endParaRPr lang="en-US" dirty="0"/>
-          </a:p>
-          <a:p>
+              <a:t>COMMIT;</a:t>
+            </a:r>
             <a:endParaRPr lang="en-US" dirty="0"/>
           </a:p>
         </p:txBody>
@@ -3871,6 +3672,268 @@
 </file>
 
 <file path=ppt/slides/slide5.xml><?xml version="1.0" encoding="utf-8"?>
+<p:sld xmlns:a="http://schemas.openxmlformats.org/drawingml/2006/main" xmlns:r="http://schemas.openxmlformats.org/officeDocument/2006/relationships" xmlns:p="http://schemas.openxmlformats.org/presentationml/2006/main">
+  <p:cSld>
+    <p:spTree>
+      <p:nvGrpSpPr>
+        <p:cNvPr id="1" name=""/>
+        <p:cNvGrpSpPr/>
+        <p:nvPr/>
+      </p:nvGrpSpPr>
+      <p:grpSpPr>
+        <a:xfrm>
+          <a:off x="0" y="0"/>
+          <a:ext cx="0" cy="0"/>
+          <a:chOff x="0" y="0"/>
+          <a:chExt cx="0" cy="0"/>
+        </a:xfrm>
+      </p:grpSpPr>
+      <p:sp>
+        <p:nvSpPr>
+          <p:cNvPr id="2" name="Title 1"/>
+          <p:cNvSpPr>
+            <a:spLocks noGrp="1"/>
+          </p:cNvSpPr>
+          <p:nvPr>
+            <p:ph type="title"/>
+          </p:nvPr>
+        </p:nvSpPr>
+        <p:spPr/>
+        <p:txBody>
+          <a:bodyPr/>
+          <a:lstStyle/>
+          <a:p>
+            <a:r>
+              <a:rPr lang="en-US" dirty="0"/>
+              <a:t>python manage.py </a:t>
+            </a:r>
+            <a:r>
+              <a:rPr lang="en-US" dirty="0" err="1"/>
+              <a:t>showmigrations</a:t>
+            </a:r>
+            <a:endParaRPr lang="en-US" dirty="0"/>
+          </a:p>
+        </p:txBody>
+      </p:sp>
+      <p:sp>
+        <p:nvSpPr>
+          <p:cNvPr id="3" name="Content Placeholder 2"/>
+          <p:cNvSpPr>
+            <a:spLocks noGrp="1"/>
+          </p:cNvSpPr>
+          <p:nvPr>
+            <p:ph sz="half" idx="1"/>
+          </p:nvPr>
+        </p:nvSpPr>
+        <p:spPr/>
+        <p:txBody>
+          <a:bodyPr>
+            <a:normAutofit fontScale="55000" lnSpcReduction="20000"/>
+          </a:bodyPr>
+          <a:lstStyle/>
+          <a:p>
+            <a:r>
+              <a:rPr lang="en-US" dirty="0"/>
+              <a:t>admin</a:t>
+            </a:r>
+            <a:endParaRPr lang="en-US" dirty="0"/>
+          </a:p>
+          <a:p>
+            <a:r>
+              <a:rPr lang="en-US" dirty="0"/>
+              <a:t> [ ] 0001_initial</a:t>
+            </a:r>
+            <a:endParaRPr lang="en-US" dirty="0"/>
+          </a:p>
+          <a:p>
+            <a:r>
+              <a:rPr lang="en-US" dirty="0"/>
+              <a:t> [ ] 0002_logentry_remove_auto_add</a:t>
+            </a:r>
+            <a:endParaRPr lang="en-US" dirty="0"/>
+          </a:p>
+          <a:p>
+            <a:r>
+              <a:rPr lang="en-US" dirty="0"/>
+              <a:t> [ ] 0003_logentry_add_action_flag_choices</a:t>
+            </a:r>
+            <a:endParaRPr lang="en-US" dirty="0"/>
+          </a:p>
+          <a:p>
+            <a:r>
+              <a:rPr lang="en-US" dirty="0" err="1"/>
+              <a:t>auth</a:t>
+            </a:r>
+            <a:endParaRPr lang="en-US" dirty="0"/>
+          </a:p>
+          <a:p>
+            <a:r>
+              <a:rPr lang="en-US" dirty="0"/>
+              <a:t> [ ] 0001_initial</a:t>
+            </a:r>
+            <a:endParaRPr lang="en-US" dirty="0"/>
+          </a:p>
+          <a:p>
+            <a:r>
+              <a:rPr lang="en-US" dirty="0"/>
+              <a:t> [ ] 0002_alter_permission_name_max_length</a:t>
+            </a:r>
+            <a:endParaRPr lang="en-US" dirty="0"/>
+          </a:p>
+          <a:p>
+            <a:r>
+              <a:rPr lang="en-US" dirty="0"/>
+              <a:t> [ ] 0003_alter_user_email_max_length</a:t>
+            </a:r>
+            <a:endParaRPr lang="en-US" dirty="0"/>
+          </a:p>
+          <a:p>
+            <a:r>
+              <a:rPr lang="en-US" dirty="0"/>
+              <a:t> [ ] 0004_alter_user_username_opts</a:t>
+            </a:r>
+            <a:endParaRPr lang="en-US" dirty="0"/>
+          </a:p>
+          <a:p>
+            <a:r>
+              <a:rPr lang="en-US" dirty="0"/>
+              <a:t> [ ] 0005_alter_user_last_login_null</a:t>
+            </a:r>
+            <a:endParaRPr lang="en-US" dirty="0"/>
+          </a:p>
+          <a:p>
+            <a:r>
+              <a:rPr lang="en-US" dirty="0"/>
+              <a:t> [ ] 0006_require_contenttypes_0002</a:t>
+            </a:r>
+            <a:endParaRPr lang="en-US" dirty="0"/>
+          </a:p>
+          <a:p>
+            <a:r>
+              <a:rPr lang="en-US" dirty="0"/>
+              <a:t> [ ] 0007_alter_validators_add_error_messages</a:t>
+            </a:r>
+            <a:endParaRPr lang="en-US" dirty="0"/>
+          </a:p>
+          <a:p>
+            <a:r>
+              <a:rPr lang="en-US" dirty="0"/>
+              <a:t> [ ] 0008_alter_user_username_max_length</a:t>
+            </a:r>
+            <a:endParaRPr lang="en-US" dirty="0"/>
+          </a:p>
+          <a:p>
+            <a:r>
+              <a:rPr lang="en-US" dirty="0"/>
+              <a:t> [ ] 0009_alter_user_last_name_max_length</a:t>
+            </a:r>
+            <a:endParaRPr lang="en-US" dirty="0"/>
+          </a:p>
+          <a:p>
+            <a:endParaRPr lang="en-US" dirty="0"/>
+          </a:p>
+        </p:txBody>
+      </p:sp>
+      <p:sp>
+        <p:nvSpPr>
+          <p:cNvPr id="4" name="Content Placeholder 3"/>
+          <p:cNvSpPr>
+            <a:spLocks noGrp="1"/>
+          </p:cNvSpPr>
+          <p:nvPr>
+            <p:ph sz="half" idx="2"/>
+          </p:nvPr>
+        </p:nvSpPr>
+        <p:spPr/>
+        <p:txBody>
+          <a:bodyPr>
+            <a:normAutofit fontScale="55000" lnSpcReduction="20000"/>
+          </a:bodyPr>
+          <a:lstStyle/>
+          <a:p>
+            <a:r>
+              <a:rPr lang="en-US" dirty="0"/>
+              <a:t> [ ] 0010_alter_group_name_max_length</a:t>
+            </a:r>
+            <a:endParaRPr lang="en-US" dirty="0"/>
+          </a:p>
+          <a:p>
+            <a:r>
+              <a:rPr lang="en-US" dirty="0"/>
+              <a:t> [ ] 0011_update_proxy_permissions</a:t>
+            </a:r>
+            <a:endParaRPr lang="en-US" dirty="0"/>
+          </a:p>
+          <a:p>
+            <a:r>
+              <a:rPr lang="en-US" dirty="0"/>
+              <a:t> [ ] 0012_alter_user_first_name_max_length</a:t>
+            </a:r>
+            <a:endParaRPr lang="en-US" dirty="0"/>
+          </a:p>
+          <a:p>
+            <a:r>
+              <a:rPr lang="en-US" dirty="0" err="1"/>
+              <a:t>contenttypes</a:t>
+            </a:r>
+            <a:endParaRPr lang="en-US" dirty="0"/>
+          </a:p>
+          <a:p>
+            <a:r>
+              <a:rPr lang="en-US" dirty="0"/>
+              <a:t> [ ] 0001_initial</a:t>
+            </a:r>
+            <a:endParaRPr lang="en-US" dirty="0"/>
+          </a:p>
+          <a:p>
+            <a:r>
+              <a:rPr lang="en-US" dirty="0"/>
+              <a:t> [ ] 0002_remove_content_type_name</a:t>
+            </a:r>
+            <a:endParaRPr lang="en-US" dirty="0"/>
+          </a:p>
+          <a:p>
+            <a:r>
+              <a:rPr lang="en-US" dirty="0" err="1"/>
+              <a:t>regional_info</a:t>
+            </a:r>
+            <a:endParaRPr lang="en-US" dirty="0"/>
+          </a:p>
+          <a:p>
+            <a:r>
+              <a:rPr lang="en-US" dirty="0"/>
+              <a:t> [ ] 0001_initial</a:t>
+            </a:r>
+            <a:endParaRPr lang="en-US" dirty="0"/>
+          </a:p>
+          <a:p>
+            <a:r>
+              <a:rPr lang="en-US" dirty="0"/>
+              <a:t>sessions</a:t>
+            </a:r>
+            <a:endParaRPr lang="en-US" dirty="0"/>
+          </a:p>
+          <a:p>
+            <a:r>
+              <a:rPr lang="en-US" dirty="0"/>
+              <a:t> [ ] 0001_initial</a:t>
+            </a:r>
+            <a:endParaRPr lang="en-US" dirty="0"/>
+          </a:p>
+          <a:p>
+            <a:endParaRPr lang="en-US" dirty="0"/>
+          </a:p>
+        </p:txBody>
+      </p:sp>
+    </p:spTree>
+  </p:cSld>
+  <p:clrMapOvr>
+    <a:masterClrMapping/>
+  </p:clrMapOvr>
+</p:sld>
+</file>
+
+<file path=ppt/slides/slide6.xml><?xml version="1.0" encoding="utf-8"?>
 <p:sld xmlns:a="http://schemas.openxmlformats.org/drawingml/2006/main" xmlns:r="http://schemas.openxmlformats.org/officeDocument/2006/relationships" xmlns:p="http://schemas.openxmlformats.org/presentationml/2006/main">
   <p:cSld>
     <p:spTree>
